--- a/PPT/Dream A Dream.pptx
+++ b/PPT/Dream A Dream.pptx
@@ -405,6 +405,7 @@
           <a:p>
             <a:fld id="{6A786D1D-DD14-473C-A86C-1394B06B704C}" type="datetimeFigureOut">
               <a:rPr lang="en-IN" smtClean="0"/>
+              <a:pPr/>
               <a:t>24-07-2016</a:t>
             </a:fld>
             <a:endParaRPr lang="en-IN"/>
@@ -428,6 +429,7 @@
           <a:p>
             <a:fld id="{B2BA8DC3-ED94-47C5-8A1C-5E352C1E40F4}" type="slidenum">
               <a:rPr lang="en-IN" smtClean="0"/>
+              <a:pPr/>
               <a:t>‹#›</a:t>
             </a:fld>
             <a:endParaRPr lang="en-IN"/>
@@ -570,6 +572,7 @@
           <a:p>
             <a:fld id="{6A786D1D-DD14-473C-A86C-1394B06B704C}" type="datetimeFigureOut">
               <a:rPr lang="en-IN" smtClean="0"/>
+              <a:pPr/>
               <a:t>24-07-2016</a:t>
             </a:fld>
             <a:endParaRPr lang="en-IN"/>
@@ -612,6 +615,7 @@
           <a:p>
             <a:fld id="{B2BA8DC3-ED94-47C5-8A1C-5E352C1E40F4}" type="slidenum">
               <a:rPr lang="en-IN" smtClean="0"/>
+              <a:pPr/>
               <a:t>‹#›</a:t>
             </a:fld>
             <a:endParaRPr lang="en-IN"/>
@@ -745,6 +749,7 @@
           <a:p>
             <a:fld id="{6A786D1D-DD14-473C-A86C-1394B06B704C}" type="datetimeFigureOut">
               <a:rPr lang="en-IN" smtClean="0"/>
+              <a:pPr/>
               <a:t>24-07-2016</a:t>
             </a:fld>
             <a:endParaRPr lang="en-IN"/>
@@ -787,6 +792,7 @@
           <a:p>
             <a:fld id="{B2BA8DC3-ED94-47C5-8A1C-5E352C1E40F4}" type="slidenum">
               <a:rPr lang="en-IN" smtClean="0"/>
+              <a:pPr/>
               <a:t>‹#›</a:t>
             </a:fld>
             <a:endParaRPr lang="en-IN"/>
@@ -892,6 +898,7 @@
           <a:p>
             <a:fld id="{6A786D1D-DD14-473C-A86C-1394B06B704C}" type="datetimeFigureOut">
               <a:rPr lang="en-IN" smtClean="0"/>
+              <a:pPr/>
               <a:t>24-07-2016</a:t>
             </a:fld>
             <a:endParaRPr lang="en-IN"/>
@@ -919,6 +926,7 @@
           <a:p>
             <a:fld id="{B2BA8DC3-ED94-47C5-8A1C-5E352C1E40F4}" type="slidenum">
               <a:rPr lang="en-IN" smtClean="0"/>
+              <a:pPr/>
               <a:t>‹#›</a:t>
             </a:fld>
             <a:endParaRPr lang="en-IN"/>
@@ -1009,6 +1017,7 @@
           <a:p>
             <a:fld id="{6A786D1D-DD14-473C-A86C-1394B06B704C}" type="datetimeFigureOut">
               <a:rPr lang="en-IN" smtClean="0"/>
+              <a:pPr/>
               <a:t>24-07-2016</a:t>
             </a:fld>
             <a:endParaRPr lang="en-IN"/>
@@ -1051,6 +1060,7 @@
           <a:p>
             <a:fld id="{B2BA8DC3-ED94-47C5-8A1C-5E352C1E40F4}" type="slidenum">
               <a:rPr lang="en-IN" smtClean="0"/>
+              <a:pPr/>
               <a:t>‹#›</a:t>
             </a:fld>
             <a:endParaRPr lang="en-IN"/>
@@ -1279,6 +1289,7 @@
           <a:p>
             <a:fld id="{6A786D1D-DD14-473C-A86C-1394B06B704C}" type="datetimeFigureOut">
               <a:rPr lang="en-IN" smtClean="0"/>
+              <a:pPr/>
               <a:t>24-07-2016</a:t>
             </a:fld>
             <a:endParaRPr lang="en-IN"/>
@@ -1321,6 +1332,7 @@
           <a:p>
             <a:fld id="{B2BA8DC3-ED94-47C5-8A1C-5E352C1E40F4}" type="slidenum">
               <a:rPr lang="en-IN" smtClean="0"/>
+              <a:pPr/>
               <a:t>‹#›</a:t>
             </a:fld>
             <a:endParaRPr lang="en-IN"/>
@@ -1506,6 +1518,7 @@
           <a:p>
             <a:fld id="{B2BA8DC3-ED94-47C5-8A1C-5E352C1E40F4}" type="slidenum">
               <a:rPr lang="en-IN" smtClean="0"/>
+              <a:pPr/>
               <a:t>‹#›</a:t>
             </a:fld>
             <a:endParaRPr lang="en-IN"/>
@@ -1548,6 +1561,7 @@
           <a:p>
             <a:fld id="{6A786D1D-DD14-473C-A86C-1394B06B704C}" type="datetimeFigureOut">
               <a:rPr lang="en-IN" smtClean="0"/>
+              <a:pPr/>
               <a:t>24-07-2016</a:t>
             </a:fld>
             <a:endParaRPr lang="en-IN"/>
@@ -1995,6 +2009,7 @@
           <a:p>
             <a:fld id="{6A786D1D-DD14-473C-A86C-1394B06B704C}" type="datetimeFigureOut">
               <a:rPr lang="en-IN" smtClean="0"/>
+              <a:pPr/>
               <a:t>24-07-2016</a:t>
             </a:fld>
             <a:endParaRPr lang="en-IN"/>
@@ -2037,6 +2052,7 @@
           <a:p>
             <a:fld id="{B2BA8DC3-ED94-47C5-8A1C-5E352C1E40F4}" type="slidenum">
               <a:rPr lang="en-IN" smtClean="0"/>
+              <a:pPr/>
               <a:t>‹#›</a:t>
             </a:fld>
             <a:endParaRPr lang="en-IN"/>
@@ -2108,6 +2124,7 @@
           <a:p>
             <a:fld id="{6A786D1D-DD14-473C-A86C-1394B06B704C}" type="datetimeFigureOut">
               <a:rPr lang="en-IN" smtClean="0"/>
+              <a:pPr/>
               <a:t>24-07-2016</a:t>
             </a:fld>
             <a:endParaRPr lang="en-IN"/>
@@ -2150,6 +2167,7 @@
           <a:p>
             <a:fld id="{B2BA8DC3-ED94-47C5-8A1C-5E352C1E40F4}" type="slidenum">
               <a:rPr lang="en-IN" smtClean="0"/>
+              <a:pPr/>
               <a:t>‹#›</a:t>
             </a:fld>
             <a:endParaRPr lang="en-IN"/>
@@ -2358,6 +2376,7 @@
           <a:p>
             <a:fld id="{6A786D1D-DD14-473C-A86C-1394B06B704C}" type="datetimeFigureOut">
               <a:rPr lang="en-IN" smtClean="0"/>
+              <a:pPr/>
               <a:t>24-07-2016</a:t>
             </a:fld>
             <a:endParaRPr lang="en-IN"/>
@@ -2381,6 +2400,7 @@
           <a:p>
             <a:fld id="{B2BA8DC3-ED94-47C5-8A1C-5E352C1E40F4}" type="slidenum">
               <a:rPr lang="en-IN" smtClean="0"/>
+              <a:pPr/>
               <a:t>‹#›</a:t>
             </a:fld>
             <a:endParaRPr lang="en-IN"/>
@@ -2598,6 +2618,7 @@
           <a:p>
             <a:fld id="{6A786D1D-DD14-473C-A86C-1394B06B704C}" type="datetimeFigureOut">
               <a:rPr lang="en-IN" smtClean="0"/>
+              <a:pPr/>
               <a:t>24-07-2016</a:t>
             </a:fld>
             <a:endParaRPr lang="en-IN"/>
@@ -2621,6 +2642,7 @@
           <a:p>
             <a:fld id="{B2BA8DC3-ED94-47C5-8A1C-5E352C1E40F4}" type="slidenum">
               <a:rPr lang="en-IN" smtClean="0"/>
+              <a:pPr/>
               <a:t>‹#›</a:t>
             </a:fld>
             <a:endParaRPr lang="en-IN"/>
@@ -2771,6 +2793,7 @@
           <a:p>
             <a:fld id="{6A786D1D-DD14-473C-A86C-1394B06B704C}" type="datetimeFigureOut">
               <a:rPr lang="en-IN" smtClean="0"/>
+              <a:pPr/>
               <a:t>24-07-2016</a:t>
             </a:fld>
             <a:endParaRPr lang="en-IN"/>
@@ -2848,6 +2871,7 @@
           <a:p>
             <a:fld id="{B2BA8DC3-ED94-47C5-8A1C-5E352C1E40F4}" type="slidenum">
               <a:rPr lang="en-IN" smtClean="0"/>
+              <a:pPr/>
               <a:t>‹#›</a:t>
             </a:fld>
             <a:endParaRPr lang="en-IN"/>
@@ -3589,7 +3613,7 @@
           <a:bodyPr/>
           <a:lstStyle/>
           <a:p>
-            <a:endParaRPr lang="en-IN"/>
+            <a:endParaRPr lang="en-IN" dirty="0"/>
           </a:p>
         </p:txBody>
       </p:sp>
@@ -3656,7 +3680,25 @@
           <a:bodyPr/>
           <a:lstStyle/>
           <a:p>
-            <a:endParaRPr lang="en-IN"/>
+            <a:r>
+              <a:rPr lang="en-US" dirty="0" smtClean="0"/>
+              <a:t>We have developed a responsive web application, keeping in accordance with </a:t>
+            </a:r>
+            <a:r>
+              <a:rPr lang="en-US" dirty="0" err="1" smtClean="0"/>
+              <a:t>DaD’s</a:t>
+            </a:r>
+            <a:r>
+              <a:rPr lang="en-US" dirty="0" smtClean="0"/>
+              <a:t> needs. </a:t>
+            </a:r>
+          </a:p>
+          <a:p>
+            <a:r>
+              <a:rPr lang="en-US" dirty="0" smtClean="0"/>
+              <a:t>It includes the following features:</a:t>
+            </a:r>
+            <a:endParaRPr lang="en-IN" dirty="0"/>
           </a:p>
         </p:txBody>
       </p:sp>
@@ -3723,7 +3765,19 @@
           <a:bodyPr/>
           <a:lstStyle/>
           <a:p>
-            <a:endParaRPr lang="en-IN"/>
+            <a:r>
+              <a:rPr lang="en-US" dirty="0" smtClean="0"/>
+              <a:t>Search by name</a:t>
+            </a:r>
+          </a:p>
+          <a:p>
+            <a:r>
+              <a:rPr lang="en-US" dirty="0" smtClean="0"/>
+              <a:t>Enrolling in workshops</a:t>
+            </a:r>
+          </a:p>
+          <a:p>
+            <a:endParaRPr lang="en-IN" dirty="0"/>
           </a:p>
         </p:txBody>
       </p:sp>
@@ -3743,8 +3797,12 @@
           <a:lstStyle/>
           <a:p>
             <a:r>
+              <a:rPr lang="en-US" dirty="0" err="1" smtClean="0"/>
+              <a:t>Addons</a:t>
+            </a:r>
+            <a:r>
               <a:rPr lang="en-US" dirty="0" smtClean="0"/>
-              <a:t>Additions:</a:t>
+              <a:t>:</a:t>
             </a:r>
             <a:endParaRPr lang="en-IN" dirty="0"/>
           </a:p>
@@ -3790,7 +3848,11 @@
           <a:bodyPr/>
           <a:lstStyle/>
           <a:p>
-            <a:endParaRPr lang="en-IN"/>
+            <a:r>
+              <a:rPr lang="en-US" dirty="0" smtClean="0"/>
+              <a:t>EXOTEL to incorporate SMS and IVRS feature for tracking inactive users</a:t>
+            </a:r>
+            <a:endParaRPr lang="en-IN" dirty="0"/>
           </a:p>
         </p:txBody>
       </p:sp>
